--- a/Inleiding_R_JVZ.pptx
+++ b/Inleiding_R_JVZ.pptx
@@ -1082,7 +1082,7 @@
           <a:p>
             <a:fld id="{774A384B-03B0-4A63-A407-B596BB938AE5}" type="datetimeFigureOut">
               <a:rPr lang="nl-NL" smtClean="0"/>
-              <a:t>27-4-2017</a:t>
+              <a:t>18-5-2017</a:t>
             </a:fld>
             <a:endParaRPr lang="nl-NL"/>
           </a:p>
@@ -1251,7 +1251,7 @@
           <a:p>
             <a:fld id="{774A384B-03B0-4A63-A407-B596BB938AE5}" type="datetimeFigureOut">
               <a:rPr lang="nl-NL" smtClean="0"/>
-              <a:t>27-4-2017</a:t>
+              <a:t>18-5-2017</a:t>
             </a:fld>
             <a:endParaRPr lang="nl-NL"/>
           </a:p>
@@ -1430,7 +1430,7 @@
           <a:p>
             <a:fld id="{774A384B-03B0-4A63-A407-B596BB938AE5}" type="datetimeFigureOut">
               <a:rPr lang="nl-NL" smtClean="0"/>
-              <a:t>27-4-2017</a:t>
+              <a:t>18-5-2017</a:t>
             </a:fld>
             <a:endParaRPr lang="nl-NL"/>
           </a:p>
@@ -1828,7 +1828,7 @@
           <a:p>
             <a:fld id="{774A384B-03B0-4A63-A407-B596BB938AE5}" type="datetimeFigureOut">
               <a:rPr lang="nl-NL" smtClean="0"/>
-              <a:t>27-4-2017</a:t>
+              <a:t>18-5-2017</a:t>
             </a:fld>
             <a:endParaRPr lang="nl-NL"/>
           </a:p>
@@ -2074,7 +2074,7 @@
           <a:p>
             <a:fld id="{774A384B-03B0-4A63-A407-B596BB938AE5}" type="datetimeFigureOut">
               <a:rPr lang="nl-NL" smtClean="0"/>
-              <a:t>27-4-2017</a:t>
+              <a:t>18-5-2017</a:t>
             </a:fld>
             <a:endParaRPr lang="nl-NL"/>
           </a:p>
@@ -2304,7 +2304,7 @@
           <a:p>
             <a:fld id="{774A384B-03B0-4A63-A407-B596BB938AE5}" type="datetimeFigureOut">
               <a:rPr lang="nl-NL" smtClean="0"/>
-              <a:t>27-4-2017</a:t>
+              <a:t>18-5-2017</a:t>
             </a:fld>
             <a:endParaRPr lang="nl-NL"/>
           </a:p>
@@ -2669,7 +2669,7 @@
           <a:p>
             <a:fld id="{774A384B-03B0-4A63-A407-B596BB938AE5}" type="datetimeFigureOut">
               <a:rPr lang="nl-NL" smtClean="0"/>
-              <a:t>27-4-2017</a:t>
+              <a:t>18-5-2017</a:t>
             </a:fld>
             <a:endParaRPr lang="nl-NL"/>
           </a:p>
@@ -2787,7 +2787,7 @@
           <a:p>
             <a:fld id="{774A384B-03B0-4A63-A407-B596BB938AE5}" type="datetimeFigureOut">
               <a:rPr lang="nl-NL" smtClean="0"/>
-              <a:t>27-4-2017</a:t>
+              <a:t>18-5-2017</a:t>
             </a:fld>
             <a:endParaRPr lang="nl-NL"/>
           </a:p>
@@ -2883,7 +2883,7 @@
           <a:p>
             <a:fld id="{774A384B-03B0-4A63-A407-B596BB938AE5}" type="datetimeFigureOut">
               <a:rPr lang="nl-NL" smtClean="0"/>
-              <a:t>27-4-2017</a:t>
+              <a:t>18-5-2017</a:t>
             </a:fld>
             <a:endParaRPr lang="nl-NL"/>
           </a:p>
@@ -3159,7 +3159,7 @@
           <a:p>
             <a:fld id="{774A384B-03B0-4A63-A407-B596BB938AE5}" type="datetimeFigureOut">
               <a:rPr lang="nl-NL" smtClean="0"/>
-              <a:t>27-4-2017</a:t>
+              <a:t>18-5-2017</a:t>
             </a:fld>
             <a:endParaRPr lang="nl-NL"/>
           </a:p>
@@ -3412,7 +3412,7 @@
           <a:p>
             <a:fld id="{774A384B-03B0-4A63-A407-B596BB938AE5}" type="datetimeFigureOut">
               <a:rPr lang="nl-NL" smtClean="0"/>
-              <a:t>27-4-2017</a:t>
+              <a:t>18-5-2017</a:t>
             </a:fld>
             <a:endParaRPr lang="nl-NL"/>
           </a:p>
@@ -3677,14 +3677,14 @@
           </a:ln>
           <a:extLst>
             <a:ext uri="{909E8E84-426E-40dd-AFC4-6F175D3DCCD1}">
-              <a14:hiddenFill xmlns="" xmlns:a14="http://schemas.microsoft.com/office/drawing/2010/main">
+              <a14:hiddenFill xmlns:a14="http://schemas.microsoft.com/office/drawing/2010/main" xmlns="">
                 <a:solidFill>
                   <a:srgbClr val="FFFFFF"/>
                 </a:solidFill>
               </a14:hiddenFill>
             </a:ext>
             <a:ext uri="{91240B29-F687-4f45-9708-019B960494DF}">
-              <a14:hiddenLine xmlns="" xmlns:a14="http://schemas.microsoft.com/office/drawing/2010/main" w="9525">
+              <a14:hiddenLine xmlns:a14="http://schemas.microsoft.com/office/drawing/2010/main" xmlns="" w="9525">
                 <a:solidFill>
                   <a:srgbClr val="000000"/>
                 </a:solidFill>
@@ -4573,7 +4573,7 @@
           <a:p>
             <a:fld id="{774A384B-03B0-4A63-A407-B596BB938AE5}" type="datetimeFigureOut">
               <a:rPr lang="nl-NL" smtClean="0"/>
-              <a:t>27-4-2017</a:t>
+              <a:t>18-5-2017</a:t>
             </a:fld>
             <a:endParaRPr lang="nl-NL"/>
           </a:p>
@@ -7143,14 +7143,27 @@
         </p:nvSpPr>
         <p:spPr>
           <a:xfrm>
-            <a:off x="1115616" y="1058068"/>
-            <a:ext cx="6624736" cy="4524315"/>
+            <a:off x="210384" y="1567387"/>
+            <a:ext cx="4416892" cy="2215991"/>
           </a:xfrm>
           <a:prstGeom prst="rect">
             <a:avLst/>
           </a:prstGeom>
-          <a:noFill/>
         </p:spPr>
+        <p:style>
+          <a:lnRef idx="2">
+            <a:schemeClr val="dk1"/>
+          </a:lnRef>
+          <a:fillRef idx="1">
+            <a:schemeClr val="lt1"/>
+          </a:fillRef>
+          <a:effectRef idx="0">
+            <a:schemeClr val="dk1"/>
+          </a:effectRef>
+          <a:fontRef idx="minor">
+            <a:schemeClr val="dk1"/>
+          </a:fontRef>
+        </p:style>
         <p:txBody>
           <a:bodyPr wrap="square" rtlCol="0">
             <a:spAutoFit/>
@@ -7328,210 +7341,6 @@
                 <a:latin typeface="+mj-lt"/>
               </a:rPr>
               <a:t> packages</a:t>
-            </a:r>
-          </a:p>
-          <a:p>
-            <a:pPr marL="342900" indent="-342900">
-              <a:lnSpc>
-                <a:spcPct val="150000"/>
-              </a:lnSpc>
-              <a:buFont typeface="Wingdings" panose="05000000000000000000" pitchFamily="2" charset="2"/>
-              <a:buChar char="Ø"/>
-            </a:pPr>
-            <a:r>
-              <a:rPr lang="nl-NL" dirty="0">
-                <a:solidFill>
-                  <a:schemeClr val="tx2"/>
-                </a:solidFill>
-                <a:latin typeface="+mj-lt"/>
-              </a:rPr>
-              <a:t>Avond sessie 3</a:t>
-            </a:r>
-          </a:p>
-          <a:p>
-            <a:pPr marL="800100" lvl="1" indent="-342900">
-              <a:lnSpc>
-                <a:spcPct val="100000"/>
-              </a:lnSpc>
-              <a:buFont typeface="Wingdings" panose="05000000000000000000" pitchFamily="2" charset="2"/>
-              <a:buChar char="Ø"/>
-            </a:pPr>
-            <a:r>
-              <a:rPr lang="nl-NL" sz="1800" dirty="0">
-                <a:solidFill>
-                  <a:schemeClr val="tx2"/>
-                </a:solidFill>
-                <a:latin typeface="+mj-lt"/>
-              </a:rPr>
-              <a:t>Data visualisatie</a:t>
-            </a:r>
-          </a:p>
-          <a:p>
-            <a:pPr marL="800100" lvl="1" indent="-342900">
-              <a:lnSpc>
-                <a:spcPct val="100000"/>
-              </a:lnSpc>
-              <a:buFont typeface="Wingdings" panose="05000000000000000000" pitchFamily="2" charset="2"/>
-              <a:buChar char="Ø"/>
-            </a:pPr>
-            <a:r>
-              <a:rPr lang="nl-NL" sz="1800" dirty="0" err="1">
-                <a:solidFill>
-                  <a:schemeClr val="tx2"/>
-                </a:solidFill>
-                <a:latin typeface="+mj-lt"/>
-              </a:rPr>
-              <a:t>Legacy</a:t>
-            </a:r>
-            <a:r>
-              <a:rPr lang="nl-NL" sz="1800" dirty="0">
-                <a:solidFill>
-                  <a:schemeClr val="tx2"/>
-                </a:solidFill>
-                <a:latin typeface="+mj-lt"/>
-              </a:rPr>
-              <a:t> plot functies</a:t>
-            </a:r>
-          </a:p>
-          <a:p>
-            <a:pPr marL="800100" lvl="1" indent="-342900">
-              <a:lnSpc>
-                <a:spcPct val="100000"/>
-              </a:lnSpc>
-              <a:buFont typeface="Wingdings" panose="05000000000000000000" pitchFamily="2" charset="2"/>
-              <a:buChar char="Ø"/>
-            </a:pPr>
-            <a:r>
-              <a:rPr lang="nl-NL" sz="1800" dirty="0">
-                <a:solidFill>
-                  <a:schemeClr val="tx2"/>
-                </a:solidFill>
-                <a:latin typeface="+mj-lt"/>
-              </a:rPr>
-              <a:t>ggplot2</a:t>
-            </a:r>
-          </a:p>
-          <a:p>
-            <a:pPr marL="800100" lvl="1" indent="-342900">
-              <a:lnSpc>
-                <a:spcPct val="100000"/>
-              </a:lnSpc>
-              <a:buFont typeface="Wingdings" panose="05000000000000000000" pitchFamily="2" charset="2"/>
-              <a:buChar char="Ø"/>
-            </a:pPr>
-            <a:r>
-              <a:rPr lang="nl-NL" sz="1800" dirty="0">
-                <a:solidFill>
-                  <a:schemeClr val="tx2"/>
-                </a:solidFill>
-                <a:latin typeface="+mj-lt"/>
-              </a:rPr>
-              <a:t>Interactive </a:t>
-            </a:r>
-            <a:r>
-              <a:rPr lang="nl-NL" sz="1800" dirty="0" err="1">
-                <a:solidFill>
-                  <a:schemeClr val="tx2"/>
-                </a:solidFill>
-                <a:latin typeface="+mj-lt"/>
-              </a:rPr>
-              <a:t>graphs</a:t>
-            </a:r>
-            <a:endParaRPr lang="nl-NL" sz="1800" dirty="0">
-              <a:solidFill>
-                <a:schemeClr val="tx2"/>
-              </a:solidFill>
-              <a:latin typeface="+mj-lt"/>
-            </a:endParaRPr>
-          </a:p>
-          <a:p>
-            <a:pPr marL="342900" indent="-342900">
-              <a:lnSpc>
-                <a:spcPct val="150000"/>
-              </a:lnSpc>
-              <a:buFont typeface="Wingdings" panose="05000000000000000000" pitchFamily="2" charset="2"/>
-              <a:buChar char="Ø"/>
-            </a:pPr>
-            <a:r>
-              <a:rPr lang="nl-NL" dirty="0">
-                <a:solidFill>
-                  <a:schemeClr val="tx2"/>
-                </a:solidFill>
-                <a:latin typeface="+mj-lt"/>
-              </a:rPr>
-              <a:t>Avond sessie 4</a:t>
-            </a:r>
-          </a:p>
-          <a:p>
-            <a:pPr marL="800100" lvl="1" indent="-342900">
-              <a:lnSpc>
-                <a:spcPct val="100000"/>
-              </a:lnSpc>
-              <a:buFont typeface="Wingdings" panose="05000000000000000000" pitchFamily="2" charset="2"/>
-              <a:buChar char="Ø"/>
-            </a:pPr>
-            <a:r>
-              <a:rPr lang="nl-NL" sz="1800" dirty="0">
-                <a:solidFill>
-                  <a:schemeClr val="tx2"/>
-                </a:solidFill>
-                <a:latin typeface="+mj-lt"/>
-              </a:rPr>
-              <a:t>Machine </a:t>
-            </a:r>
-            <a:r>
-              <a:rPr lang="nl-NL" sz="1800" dirty="0" err="1">
-                <a:solidFill>
-                  <a:schemeClr val="tx2"/>
-                </a:solidFill>
-                <a:latin typeface="+mj-lt"/>
-              </a:rPr>
-              <a:t>learning</a:t>
-            </a:r>
-            <a:r>
-              <a:rPr lang="nl-NL" sz="1800" dirty="0">
-                <a:solidFill>
-                  <a:schemeClr val="tx2"/>
-                </a:solidFill>
-                <a:latin typeface="+mj-lt"/>
-              </a:rPr>
-              <a:t> / </a:t>
-            </a:r>
-            <a:r>
-              <a:rPr lang="nl-NL" sz="1800" dirty="0" err="1">
-                <a:solidFill>
-                  <a:schemeClr val="tx2"/>
-                </a:solidFill>
-                <a:latin typeface="+mj-lt"/>
-              </a:rPr>
-              <a:t>Predictive</a:t>
-            </a:r>
-            <a:r>
-              <a:rPr lang="nl-NL" sz="1800" dirty="0">
-                <a:solidFill>
-                  <a:schemeClr val="tx2"/>
-                </a:solidFill>
-                <a:latin typeface="+mj-lt"/>
-              </a:rPr>
-              <a:t> </a:t>
-            </a:r>
-            <a:r>
-              <a:rPr lang="nl-NL" sz="1800" dirty="0" err="1">
-                <a:solidFill>
-                  <a:schemeClr val="tx2"/>
-                </a:solidFill>
-                <a:latin typeface="+mj-lt"/>
-              </a:rPr>
-              <a:t>modeling</a:t>
-            </a:r>
-            <a:r>
-              <a:rPr lang="nl-NL" sz="1800" dirty="0">
-                <a:solidFill>
-                  <a:schemeClr val="tx2"/>
-                </a:solidFill>
-                <a:latin typeface="+mj-lt"/>
-              </a:rPr>
-              <a:t> in R</a:t>
             </a:r>
           </a:p>
         </p:txBody>
@@ -7544,7 +7353,7 @@
         </p:nvSpPr>
         <p:spPr>
           <a:xfrm>
-            <a:off x="611560" y="5805264"/>
+            <a:off x="672769" y="5229200"/>
             <a:ext cx="6408712" cy="369332"/>
           </a:xfrm>
           <a:prstGeom prst="rect">
@@ -7565,6 +7374,301 @@
               <a:t>https://github.com/longhowlam/inleidingR</a:t>
             </a:r>
             <a:endParaRPr lang="nl-NL" dirty="0"/>
+          </a:p>
+        </p:txBody>
+      </p:sp>
+      <p:sp>
+        <p:nvSpPr>
+          <p:cNvPr id="5" name="Tekstvak 4"/>
+          <p:cNvSpPr txBox="1"/>
+          <p:nvPr/>
+        </p:nvSpPr>
+        <p:spPr>
+          <a:xfrm>
+            <a:off x="683568" y="4705957"/>
+            <a:ext cx="7526660" cy="369332"/>
+          </a:xfrm>
+          <a:prstGeom prst="rect">
+            <a:avLst/>
+          </a:prstGeom>
+          <a:noFill/>
+        </p:spPr>
+        <p:txBody>
+          <a:bodyPr wrap="square" rtlCol="0">
+            <a:spAutoFit/>
+          </a:bodyPr>
+          <a:lstStyle/>
+          <a:p>
+            <a:r>
+              <a:rPr lang="en-US" dirty="0" err="1"/>
+              <a:t>Laten</a:t>
+            </a:r>
+            <a:r>
+              <a:rPr lang="en-US" dirty="0"/>
+              <a:t> we vast het </a:t>
+            </a:r>
+            <a:r>
+              <a:rPr lang="en-US" dirty="0" err="1"/>
+              <a:t>volgende</a:t>
+            </a:r>
+            <a:r>
+              <a:rPr lang="en-US" dirty="0"/>
+              <a:t> </a:t>
+            </a:r>
+            <a:r>
+              <a:rPr lang="en-US" dirty="0" err="1"/>
+              <a:t>downloaden</a:t>
+            </a:r>
+            <a:endParaRPr lang="nl-NL" dirty="0"/>
+          </a:p>
+        </p:txBody>
+      </p:sp>
+      <p:sp>
+        <p:nvSpPr>
+          <p:cNvPr id="6" name="Rechthoek 5"/>
+          <p:cNvSpPr/>
+          <p:nvPr/>
+        </p:nvSpPr>
+        <p:spPr>
+          <a:xfrm>
+            <a:off x="4932040" y="1538730"/>
+            <a:ext cx="3744416" cy="2523768"/>
+          </a:xfrm>
+          <a:prstGeom prst="rect">
+            <a:avLst/>
+          </a:prstGeom>
+        </p:spPr>
+        <p:style>
+          <a:lnRef idx="2">
+            <a:schemeClr val="dk1"/>
+          </a:lnRef>
+          <a:fillRef idx="1">
+            <a:schemeClr val="lt1"/>
+          </a:fillRef>
+          <a:effectRef idx="0">
+            <a:schemeClr val="dk1"/>
+          </a:effectRef>
+          <a:fontRef idx="minor">
+            <a:schemeClr val="dk1"/>
+          </a:fontRef>
+        </p:style>
+        <p:txBody>
+          <a:bodyPr wrap="square">
+            <a:spAutoFit/>
+          </a:bodyPr>
+          <a:lstStyle/>
+          <a:p>
+            <a:pPr marL="342900" indent="-342900">
+              <a:lnSpc>
+                <a:spcPct val="100000"/>
+              </a:lnSpc>
+              <a:buFont typeface="Wingdings" panose="05000000000000000000" pitchFamily="2" charset="2"/>
+              <a:buChar char="Ø"/>
+            </a:pPr>
+            <a:r>
+              <a:rPr lang="nl-NL" dirty="0">
+                <a:solidFill>
+                  <a:schemeClr val="tx2"/>
+                </a:solidFill>
+                <a:latin typeface="+mj-lt"/>
+              </a:rPr>
+              <a:t>Avond sessie 3</a:t>
+            </a:r>
+          </a:p>
+          <a:p>
+            <a:pPr marL="800100" lvl="1" indent="-342900">
+              <a:lnSpc>
+                <a:spcPct val="100000"/>
+              </a:lnSpc>
+              <a:buFont typeface="Wingdings" panose="05000000000000000000" pitchFamily="2" charset="2"/>
+              <a:buChar char="Ø"/>
+            </a:pPr>
+            <a:r>
+              <a:rPr lang="nl-NL" sz="1800" dirty="0">
+                <a:solidFill>
+                  <a:schemeClr val="tx2"/>
+                </a:solidFill>
+                <a:latin typeface="+mj-lt"/>
+              </a:rPr>
+              <a:t>Data visualisatie</a:t>
+            </a:r>
+          </a:p>
+          <a:p>
+            <a:pPr marL="800100" lvl="1" indent="-342900">
+              <a:lnSpc>
+                <a:spcPct val="100000"/>
+              </a:lnSpc>
+              <a:buFont typeface="Wingdings" panose="05000000000000000000" pitchFamily="2" charset="2"/>
+              <a:buChar char="Ø"/>
+            </a:pPr>
+            <a:r>
+              <a:rPr lang="nl-NL" sz="1800" dirty="0" err="1">
+                <a:solidFill>
+                  <a:schemeClr val="tx2"/>
+                </a:solidFill>
+                <a:latin typeface="+mj-lt"/>
+              </a:rPr>
+              <a:t>Legacy</a:t>
+            </a:r>
+            <a:r>
+              <a:rPr lang="nl-NL" sz="1800" dirty="0">
+                <a:solidFill>
+                  <a:schemeClr val="tx2"/>
+                </a:solidFill>
+                <a:latin typeface="+mj-lt"/>
+              </a:rPr>
+              <a:t> plot functies</a:t>
+            </a:r>
+          </a:p>
+          <a:p>
+            <a:pPr marL="800100" lvl="1" indent="-342900">
+              <a:lnSpc>
+                <a:spcPct val="100000"/>
+              </a:lnSpc>
+              <a:buFont typeface="Wingdings" panose="05000000000000000000" pitchFamily="2" charset="2"/>
+              <a:buChar char="Ø"/>
+            </a:pPr>
+            <a:r>
+              <a:rPr lang="nl-NL" sz="1800" dirty="0">
+                <a:solidFill>
+                  <a:schemeClr val="tx2"/>
+                </a:solidFill>
+                <a:latin typeface="+mj-lt"/>
+              </a:rPr>
+              <a:t>ggplot2</a:t>
+            </a:r>
+          </a:p>
+          <a:p>
+            <a:pPr marL="800100" lvl="1" indent="-342900">
+              <a:lnSpc>
+                <a:spcPct val="100000"/>
+              </a:lnSpc>
+              <a:buFont typeface="Wingdings" panose="05000000000000000000" pitchFamily="2" charset="2"/>
+              <a:buChar char="Ø"/>
+            </a:pPr>
+            <a:r>
+              <a:rPr lang="nl-NL" sz="1800" dirty="0">
+                <a:solidFill>
+                  <a:schemeClr val="tx2"/>
+                </a:solidFill>
+                <a:latin typeface="+mj-lt"/>
+              </a:rPr>
+              <a:t>Interactive </a:t>
+            </a:r>
+            <a:r>
+              <a:rPr lang="nl-NL" sz="1800" dirty="0" err="1">
+                <a:solidFill>
+                  <a:schemeClr val="tx2"/>
+                </a:solidFill>
+                <a:latin typeface="+mj-lt"/>
+              </a:rPr>
+              <a:t>graphs</a:t>
+            </a:r>
+            <a:endParaRPr lang="nl-NL" sz="1800" dirty="0">
+              <a:solidFill>
+                <a:schemeClr val="tx2"/>
+              </a:solidFill>
+              <a:latin typeface="+mj-lt"/>
+            </a:endParaRPr>
+          </a:p>
+          <a:p>
+            <a:pPr marL="342900" indent="-342900">
+              <a:lnSpc>
+                <a:spcPct val="150000"/>
+              </a:lnSpc>
+              <a:buFont typeface="Wingdings" panose="05000000000000000000" pitchFamily="2" charset="2"/>
+              <a:buChar char="Ø"/>
+            </a:pPr>
+            <a:r>
+              <a:rPr lang="nl-NL" dirty="0">
+                <a:solidFill>
+                  <a:schemeClr val="tx2"/>
+                </a:solidFill>
+                <a:latin typeface="+mj-lt"/>
+              </a:rPr>
+              <a:t>Avond sessie 4</a:t>
+            </a:r>
+          </a:p>
+          <a:p>
+            <a:pPr marL="800100" lvl="1" indent="-342900">
+              <a:lnSpc>
+                <a:spcPct val="100000"/>
+              </a:lnSpc>
+              <a:buFont typeface="Wingdings" panose="05000000000000000000" pitchFamily="2" charset="2"/>
+              <a:buChar char="Ø"/>
+            </a:pPr>
+            <a:r>
+              <a:rPr lang="nl-NL" sz="1800" dirty="0">
+                <a:solidFill>
+                  <a:schemeClr val="tx2"/>
+                </a:solidFill>
+                <a:latin typeface="+mj-lt"/>
+              </a:rPr>
+              <a:t>Machine </a:t>
+            </a:r>
+            <a:r>
+              <a:rPr lang="nl-NL" sz="1800" dirty="0" err="1">
+                <a:solidFill>
+                  <a:schemeClr val="tx2"/>
+                </a:solidFill>
+                <a:latin typeface="+mj-lt"/>
+              </a:rPr>
+              <a:t>learning</a:t>
+            </a:r>
+            <a:r>
+              <a:rPr lang="nl-NL" sz="1800" dirty="0">
+                <a:solidFill>
+                  <a:schemeClr val="tx2"/>
+                </a:solidFill>
+                <a:latin typeface="+mj-lt"/>
+              </a:rPr>
+              <a:t> </a:t>
+            </a:r>
+          </a:p>
+          <a:p>
+            <a:pPr marL="800100" lvl="1" indent="-342900">
+              <a:lnSpc>
+                <a:spcPct val="100000"/>
+              </a:lnSpc>
+              <a:buFont typeface="Wingdings" panose="05000000000000000000" pitchFamily="2" charset="2"/>
+              <a:buChar char="Ø"/>
+            </a:pPr>
+            <a:r>
+              <a:rPr lang="nl-NL" sz="1800" dirty="0" err="1">
+                <a:solidFill>
+                  <a:schemeClr val="tx2"/>
+                </a:solidFill>
+                <a:latin typeface="+mj-lt"/>
+              </a:rPr>
+              <a:t>Predictive</a:t>
+            </a:r>
+            <a:r>
+              <a:rPr lang="nl-NL" sz="1800" dirty="0">
+                <a:solidFill>
+                  <a:schemeClr val="tx2"/>
+                </a:solidFill>
+                <a:latin typeface="+mj-lt"/>
+              </a:rPr>
+              <a:t> </a:t>
+            </a:r>
+            <a:r>
+              <a:rPr lang="nl-NL" sz="1800" dirty="0" err="1">
+                <a:solidFill>
+                  <a:schemeClr val="tx2"/>
+                </a:solidFill>
+                <a:latin typeface="+mj-lt"/>
+              </a:rPr>
+              <a:t>modeling</a:t>
+            </a:r>
+            <a:r>
+              <a:rPr lang="nl-NL" sz="1800" dirty="0">
+                <a:solidFill>
+                  <a:schemeClr val="tx2"/>
+                </a:solidFill>
+                <a:latin typeface="+mj-lt"/>
+              </a:rPr>
+              <a:t> in R</a:t>
+            </a:r>
           </a:p>
         </p:txBody>
       </p:sp>
@@ -9274,14 +9378,14 @@
           <a:p>
             <a:r>
               <a:rPr lang="nl-NL" dirty="0"/>
-              <a:t>De verschillende R software componenten</a:t>
+              <a:t>Een aantal verschillende R software componenten</a:t>
             </a:r>
           </a:p>
         </p:txBody>
       </p:sp>
       <p:pic>
         <p:nvPicPr>
-          <p:cNvPr id="4" name="Picture 3"/>
+          <p:cNvPr id="5" name="Picture 4"/>
           <p:cNvPicPr>
             <a:picLocks noChangeAspect="1"/>
           </p:cNvPicPr>
@@ -9295,32 +9399,8 @@
         </p:blipFill>
         <p:spPr>
           <a:xfrm>
-            <a:off x="147759" y="739484"/>
-            <a:ext cx="967857" cy="956054"/>
-          </a:xfrm>
-          <a:prstGeom prst="rect">
-            <a:avLst/>
-          </a:prstGeom>
-        </p:spPr>
-      </p:pic>
-      <p:pic>
-        <p:nvPicPr>
-          <p:cNvPr id="5" name="Picture 4"/>
-          <p:cNvPicPr>
-            <a:picLocks noChangeAspect="1"/>
-          </p:cNvPicPr>
-          <p:nvPr/>
-        </p:nvPicPr>
-        <p:blipFill>
-          <a:blip r:embed="rId3"/>
-          <a:stretch>
-            <a:fillRect/>
-          </a:stretch>
-        </p:blipFill>
-        <p:spPr>
-          <a:xfrm>
-            <a:off x="147759" y="1808751"/>
-            <a:ext cx="967857" cy="967857"/>
+            <a:off x="335880" y="1507590"/>
+            <a:ext cx="747287" cy="747287"/>
           </a:xfrm>
           <a:prstGeom prst="rect">
             <a:avLst/>
@@ -9335,7 +9415,7 @@
         </p:nvSpPr>
         <p:spPr>
           <a:xfrm>
-            <a:off x="1431069" y="2108013"/>
+            <a:off x="1428675" y="1695254"/>
             <a:ext cx="2551388" cy="369332"/>
           </a:xfrm>
           <a:prstGeom prst="rect">
@@ -9367,7 +9447,7 @@
         </p:nvSpPr>
         <p:spPr>
           <a:xfrm>
-            <a:off x="1435185" y="3871843"/>
+            <a:off x="1434789" y="3425214"/>
             <a:ext cx="1627888" cy="646331"/>
           </a:xfrm>
           <a:prstGeom prst="rect">
@@ -9407,14 +9487,14 @@
           <p:nvPr/>
         </p:nvPicPr>
         <p:blipFill>
-          <a:blip r:embed="rId4"/>
+          <a:blip r:embed="rId3"/>
           <a:stretch>
             <a:fillRect/>
           </a:stretch>
         </p:blipFill>
         <p:spPr>
           <a:xfrm>
-            <a:off x="113565" y="2921960"/>
+            <a:off x="208497" y="2447335"/>
             <a:ext cx="1002051" cy="514298"/>
           </a:xfrm>
           <a:prstGeom prst="rect">
@@ -9478,7 +9558,7 @@
         </p:nvSpPr>
         <p:spPr>
           <a:xfrm>
-            <a:off x="1431069" y="2994443"/>
+            <a:off x="1429594" y="2583222"/>
             <a:ext cx="2300694" cy="369332"/>
           </a:xfrm>
           <a:prstGeom prst="rect">
@@ -9528,15 +9608,15 @@
           <p:nvPr/>
         </p:nvPicPr>
         <p:blipFill>
-          <a:blip r:embed="rId5"/>
+          <a:blip r:embed="rId4"/>
           <a:stretch>
             <a:fillRect/>
           </a:stretch>
         </p:blipFill>
         <p:spPr>
           <a:xfrm>
-            <a:off x="0" y="3558303"/>
-            <a:ext cx="1169181" cy="1217191"/>
+            <a:off x="182677" y="3126301"/>
+            <a:ext cx="889654" cy="926186"/>
           </a:xfrm>
           <a:prstGeom prst="rect">
             <a:avLst/>
@@ -9552,14 +9632,14 @@
           <p:nvPr/>
         </p:nvPicPr>
         <p:blipFill>
-          <a:blip r:embed="rId6"/>
+          <a:blip r:embed="rId5"/>
           <a:stretch>
             <a:fillRect/>
           </a:stretch>
         </p:blipFill>
         <p:spPr>
           <a:xfrm>
-            <a:off x="53695" y="4960446"/>
+            <a:off x="75505" y="4235313"/>
             <a:ext cx="1121789" cy="531374"/>
           </a:xfrm>
           <a:prstGeom prst="rect">
@@ -9575,7 +9655,7 @@
         </p:nvSpPr>
         <p:spPr>
           <a:xfrm>
-            <a:off x="1428675" y="4875042"/>
+            <a:off x="1428675" y="4298927"/>
             <a:ext cx="3603596" cy="646331"/>
           </a:xfrm>
           <a:prstGeom prst="rect">
@@ -9622,13 +9702,13 @@
         </p:nvSpPr>
         <p:spPr bwMode="auto">
           <a:xfrm>
-            <a:off x="3497161" y="1268760"/>
-            <a:ext cx="815959" cy="3560935"/>
+            <a:off x="3730289" y="1268760"/>
+            <a:ext cx="913720" cy="3560935"/>
           </a:xfrm>
           <a:prstGeom prst="leftBrace">
             <a:avLst>
               <a:gd name="adj1" fmla="val 8333"/>
-              <a:gd name="adj2" fmla="val 76713"/>
+              <a:gd name="adj2" fmla="val 66208"/>
             </a:avLst>
           </a:prstGeom>
           <a:noFill/>
@@ -9688,8 +9768,8 @@
         </p:nvSpPr>
         <p:spPr>
           <a:xfrm>
-            <a:off x="4355294" y="1386874"/>
-            <a:ext cx="4678741" cy="3388620"/>
+            <a:off x="4572000" y="1340768"/>
+            <a:ext cx="4321162" cy="3388620"/>
           </a:xfrm>
           <a:prstGeom prst="rect">
             <a:avLst/>
@@ -9720,8 +9800,23 @@
                 </a:solidFill>
                 <a:latin typeface="+mj-lt"/>
               </a:rPr>
-              <a:t>zeer handige packages zijn:</a:t>
-            </a:r>
+              <a:t>zeer handige packages zijn</a:t>
+            </a:r>
+            <a:r>
+              <a:rPr lang="nl-NL" sz="1800">
+                <a:solidFill>
+                  <a:schemeClr val="tx2"/>
+                </a:solidFill>
+                <a:latin typeface="+mj-lt"/>
+              </a:rPr>
+              <a:t>:  </a:t>
+            </a:r>
+            <a:endParaRPr lang="nl-NL" sz="1800" dirty="0">
+              <a:solidFill>
+                <a:schemeClr val="tx2"/>
+              </a:solidFill>
+              <a:latin typeface="+mj-lt"/>
+            </a:endParaRPr>
           </a:p>
           <a:p>
             <a:endParaRPr lang="nl-NL" sz="800" dirty="0">
@@ -10158,7 +10253,7 @@
                   <a:schemeClr val="tx2"/>
                 </a:solidFill>
                 <a:latin typeface="+mj-lt"/>
-                <a:hlinkClick r:id="rId7"/>
+                <a:hlinkClick r:id="rId6"/>
               </a:rPr>
               <a:t>deze link</a:t>
             </a:r>
@@ -10180,14 +10275,14 @@
           <p:nvPr/>
         </p:nvPicPr>
         <p:blipFill>
-          <a:blip r:embed="rId8"/>
+          <a:blip r:embed="rId7"/>
           <a:stretch>
             <a:fillRect/>
           </a:stretch>
         </p:blipFill>
         <p:spPr>
           <a:xfrm>
-            <a:off x="57292" y="5721352"/>
+            <a:off x="75505" y="4869160"/>
             <a:ext cx="1240675" cy="668445"/>
           </a:xfrm>
           <a:prstGeom prst="rect">
@@ -10203,7 +10298,7 @@
         </p:nvSpPr>
         <p:spPr>
           <a:xfrm>
-            <a:off x="1435185" y="5997009"/>
+            <a:off x="1428675" y="5075892"/>
             <a:ext cx="3603596" cy="369332"/>
           </a:xfrm>
           <a:prstGeom prst="rect">
@@ -10222,6 +10317,22 @@
                   <a:schemeClr val="tx2"/>
                 </a:solidFill>
               </a:rPr>
+              <a:t>SparkR</a:t>
+            </a:r>
+            <a:r>
+              <a:rPr lang="nl-NL" dirty="0">
+                <a:solidFill>
+                  <a:schemeClr val="tx2"/>
+                </a:solidFill>
+              </a:rPr>
+              <a:t>/ </a:t>
+            </a:r>
+            <a:r>
+              <a:rPr lang="nl-NL" dirty="0" err="1">
+                <a:solidFill>
+                  <a:schemeClr val="tx2"/>
+                </a:solidFill>
+              </a:rPr>
               <a:t>SparklyR</a:t>
             </a:r>
             <a:endParaRPr lang="nl-NL" dirty="0">
@@ -10232,6 +10343,109 @@
           </a:p>
         </p:txBody>
       </p:sp>
+      <p:pic>
+        <p:nvPicPr>
+          <p:cNvPr id="17" name="Afbeelding 16"/>
+          <p:cNvPicPr>
+            <a:picLocks noChangeAspect="1"/>
+          </p:cNvPicPr>
+          <p:nvPr/>
+        </p:nvPicPr>
+        <p:blipFill>
+          <a:blip r:embed="rId8" cstate="print">
+            <a:extLst>
+              <a:ext uri="{28A0092B-C50C-407E-A947-70E740481C1C}">
+                <a14:useLocalDpi xmlns:a14="http://schemas.microsoft.com/office/drawing/2010/main" val="0"/>
+              </a:ext>
+            </a:extLst>
+          </a:blip>
+          <a:stretch>
+            <a:fillRect/>
+          </a:stretch>
+        </p:blipFill>
+        <p:spPr>
+          <a:xfrm>
+            <a:off x="383868" y="770870"/>
+            <a:ext cx="651312" cy="569898"/>
+          </a:xfrm>
+          <a:prstGeom prst="rect">
+            <a:avLst/>
+          </a:prstGeom>
+        </p:spPr>
+      </p:pic>
+      <p:sp>
+        <p:nvSpPr>
+          <p:cNvPr id="18" name="Rectangle 12"/>
+          <p:cNvSpPr/>
+          <p:nvPr/>
+        </p:nvSpPr>
+        <p:spPr>
+          <a:xfrm>
+            <a:off x="1428675" y="5854170"/>
+            <a:ext cx="3603596" cy="369332"/>
+          </a:xfrm>
+          <a:prstGeom prst="rect">
+            <a:avLst/>
+          </a:prstGeom>
+        </p:spPr>
+        <p:txBody>
+          <a:bodyPr wrap="square">
+            <a:spAutoFit/>
+          </a:bodyPr>
+          <a:lstStyle/>
+          <a:p>
+            <a:r>
+              <a:rPr lang="nl-NL" dirty="0">
+                <a:solidFill>
+                  <a:schemeClr val="tx2"/>
+                </a:solidFill>
+              </a:rPr>
+              <a:t>SQL Server R Services</a:t>
+            </a:r>
+          </a:p>
+        </p:txBody>
+      </p:sp>
+      <p:pic>
+        <p:nvPicPr>
+          <p:cNvPr id="1026" name="Picture 2" descr="Afbeeldingsresultaat voor SQl Server"/>
+          <p:cNvPicPr>
+            <a:picLocks noChangeAspect="1" noChangeArrowheads="1"/>
+          </p:cNvPicPr>
+          <p:nvPr/>
+        </p:nvPicPr>
+        <p:blipFill>
+          <a:blip r:embed="rId9" cstate="print">
+            <a:extLst>
+              <a:ext uri="{28A0092B-C50C-407E-A947-70E740481C1C}">
+                <a14:useLocalDpi xmlns:a14="http://schemas.microsoft.com/office/drawing/2010/main" val="0"/>
+              </a:ext>
+            </a:extLst>
+          </a:blip>
+          <a:srcRect/>
+          <a:stretch>
+            <a:fillRect/>
+          </a:stretch>
+        </p:blipFill>
+        <p:spPr bwMode="auto">
+          <a:xfrm>
+            <a:off x="155408" y="5623071"/>
+            <a:ext cx="1080868" cy="887735"/>
+          </a:xfrm>
+          <a:prstGeom prst="rect">
+            <a:avLst/>
+          </a:prstGeom>
+          <a:noFill/>
+          <a:extLst>
+            <a:ext uri="{909E8E84-426E-40DD-AFC4-6F175D3DCCD1}">
+              <a14:hiddenFill xmlns:a14="http://schemas.microsoft.com/office/drawing/2010/main">
+                <a:solidFill>
+                  <a:srgbClr val="FFFFFF"/>
+                </a:solidFill>
+              </a14:hiddenFill>
+            </a:ext>
+          </a:extLst>
+        </p:spPr>
+      </p:pic>
     </p:spTree>
     <p:extLst>
       <p:ext uri="{BB962C8B-B14F-4D97-AF65-F5344CB8AC3E}">
